--- a/Documentação/PPT/Ideação - Grupo 1..pptx
+++ b/Documentação/PPT/Ideação - Grupo 1..pptx
@@ -5,7 +5,7 @@
     <p:sldMasterId id="2147483666" r:id="rId1"/>
   </p:sldMasterIdLst>
   <p:notesMasterIdLst>
-    <p:notesMasterId r:id="rId10"/>
+    <p:notesMasterId r:id="rId11"/>
   </p:notesMasterIdLst>
   <p:sldIdLst>
     <p:sldId id="256" r:id="rId2"/>
@@ -16,25 +16,26 @@
     <p:sldId id="296" r:id="rId7"/>
     <p:sldId id="263" r:id="rId8"/>
     <p:sldId id="297" r:id="rId9"/>
+    <p:sldId id="299" r:id="rId10"/>
   </p:sldIdLst>
   <p:sldSz cx="9144000" cy="5143500" type="screen16x9"/>
   <p:notesSz cx="6858000" cy="9144000"/>
   <p:embeddedFontLst>
     <p:embeddedFont>
       <p:font typeface="Bree Serif" panose="020B0604020202020204" charset="0"/>
-      <p:regular r:id="rId11"/>
+      <p:regular r:id="rId12"/>
     </p:embeddedFont>
     <p:embeddedFont>
       <p:font typeface="Roboto Black" panose="02000000000000000000" pitchFamily="2" charset="0"/>
-      <p:bold r:id="rId12"/>
-      <p:boldItalic r:id="rId13"/>
+      <p:bold r:id="rId13"/>
+      <p:boldItalic r:id="rId14"/>
     </p:embeddedFont>
     <p:embeddedFont>
       <p:font typeface="Roboto Light" panose="02000000000000000000" pitchFamily="2" charset="0"/>
-      <p:regular r:id="rId14"/>
-      <p:bold r:id="rId15"/>
-      <p:italic r:id="rId16"/>
-      <p:boldItalic r:id="rId17"/>
+      <p:regular r:id="rId15"/>
+      <p:bold r:id="rId16"/>
+      <p:italic r:id="rId17"/>
+      <p:boldItalic r:id="rId18"/>
     </p:embeddedFont>
   </p:embeddedFontLst>
   <p:defaultTextStyle>
@@ -33779,6 +33780,867 @@
 </p:sld>
 </file>
 
+<file path=ppt/slides/slide9.xml><?xml version="1.0" encoding="utf-8"?>
+<p:sld xmlns:a="http://schemas.openxmlformats.org/drawingml/2006/main" xmlns:r="http://schemas.openxmlformats.org/officeDocument/2006/relationships" xmlns:p="http://schemas.openxmlformats.org/presentationml/2006/main">
+  <p:cSld>
+    <p:spTree>
+      <p:nvGrpSpPr>
+        <p:cNvPr id="1" name=""/>
+        <p:cNvGrpSpPr/>
+        <p:nvPr/>
+      </p:nvGrpSpPr>
+      <p:grpSpPr>
+        <a:xfrm>
+          <a:off x="0" y="0"/>
+          <a:ext cx="0" cy="0"/>
+          <a:chOff x="0" y="0"/>
+          <a:chExt cx="0" cy="0"/>
+        </a:xfrm>
+      </p:grpSpPr>
+      <p:sp>
+        <p:nvSpPr>
+          <p:cNvPr id="6" name="Retângulo: Cantos Arredondados 5">
+            <a:extLst>
+              <a:ext uri="{FF2B5EF4-FFF2-40B4-BE49-F238E27FC236}">
+                <a16:creationId xmlns:a16="http://schemas.microsoft.com/office/drawing/2014/main" id="{D2A10998-7D48-4118-A0F1-670E4676D459}"/>
+              </a:ext>
+            </a:extLst>
+          </p:cNvPr>
+          <p:cNvSpPr/>
+          <p:nvPr/>
+        </p:nvSpPr>
+        <p:spPr>
+          <a:xfrm>
+            <a:off x="305628" y="125947"/>
+            <a:ext cx="4266372" cy="2333210"/>
+          </a:xfrm>
+          <a:prstGeom prst="roundRect">
+            <a:avLst/>
+          </a:prstGeom>
+          <a:noFill/>
+          <a:ln w="28575">
+            <a:solidFill>
+              <a:schemeClr val="accent4">
+                <a:lumMod val="75000"/>
+              </a:schemeClr>
+            </a:solidFill>
+          </a:ln>
+        </p:spPr>
+        <p:style>
+          <a:lnRef idx="2">
+            <a:schemeClr val="accent1">
+              <a:shade val="50000"/>
+            </a:schemeClr>
+          </a:lnRef>
+          <a:fillRef idx="1">
+            <a:schemeClr val="accent1"/>
+          </a:fillRef>
+          <a:effectRef idx="0">
+            <a:schemeClr val="accent1"/>
+          </a:effectRef>
+          <a:fontRef idx="minor">
+            <a:schemeClr val="lt1"/>
+          </a:fontRef>
+        </p:style>
+        <p:txBody>
+          <a:bodyPr rtlCol="0" anchor="ctr"/>
+          <a:lstStyle/>
+          <a:p>
+            <a:pPr algn="ctr"/>
+            <a:endParaRPr lang="pt-BR" sz="1050"/>
+          </a:p>
+        </p:txBody>
+      </p:sp>
+      <p:sp>
+        <p:nvSpPr>
+          <p:cNvPr id="10" name="Retângulo: Cantos Arredondados 9">
+            <a:extLst>
+              <a:ext uri="{FF2B5EF4-FFF2-40B4-BE49-F238E27FC236}">
+                <a16:creationId xmlns:a16="http://schemas.microsoft.com/office/drawing/2014/main" id="{F79A2A1B-26AB-409F-B568-0CD6A167021C}"/>
+              </a:ext>
+            </a:extLst>
+          </p:cNvPr>
+          <p:cNvSpPr/>
+          <p:nvPr/>
+        </p:nvSpPr>
+        <p:spPr>
+          <a:xfrm>
+            <a:off x="305627" y="2571751"/>
+            <a:ext cx="8642281" cy="2459156"/>
+          </a:xfrm>
+          <a:prstGeom prst="roundRect">
+            <a:avLst/>
+          </a:prstGeom>
+          <a:noFill/>
+          <a:ln w="28575">
+            <a:solidFill>
+              <a:schemeClr val="accent4">
+                <a:lumMod val="75000"/>
+              </a:schemeClr>
+            </a:solidFill>
+          </a:ln>
+        </p:spPr>
+        <p:style>
+          <a:lnRef idx="2">
+            <a:schemeClr val="accent1">
+              <a:shade val="50000"/>
+            </a:schemeClr>
+          </a:lnRef>
+          <a:fillRef idx="1">
+            <a:schemeClr val="accent1"/>
+          </a:fillRef>
+          <a:effectRef idx="0">
+            <a:schemeClr val="accent1"/>
+          </a:effectRef>
+          <a:fontRef idx="minor">
+            <a:schemeClr val="lt1"/>
+          </a:fontRef>
+        </p:style>
+        <p:txBody>
+          <a:bodyPr rtlCol="0" anchor="ctr"/>
+          <a:lstStyle/>
+          <a:p>
+            <a:pPr algn="ctr"/>
+            <a:endParaRPr lang="pt-BR" sz="1050"/>
+          </a:p>
+        </p:txBody>
+      </p:sp>
+      <p:sp>
+        <p:nvSpPr>
+          <p:cNvPr id="11" name="CaixaDeTexto 10">
+            <a:extLst>
+              <a:ext uri="{FF2B5EF4-FFF2-40B4-BE49-F238E27FC236}">
+                <a16:creationId xmlns:a16="http://schemas.microsoft.com/office/drawing/2014/main" id="{661CD458-4BEB-4F0A-B7CF-F2F73E565140}"/>
+              </a:ext>
+            </a:extLst>
+          </p:cNvPr>
+          <p:cNvSpPr txBox="1"/>
+          <p:nvPr/>
+        </p:nvSpPr>
+        <p:spPr>
+          <a:xfrm>
+            <a:off x="554107" y="215399"/>
+            <a:ext cx="846707" cy="323165"/>
+          </a:xfrm>
+          <a:prstGeom prst="rect">
+            <a:avLst/>
+          </a:prstGeom>
+          <a:noFill/>
+        </p:spPr>
+        <p:txBody>
+          <a:bodyPr wrap="none" rtlCol="0">
+            <a:spAutoFit/>
+          </a:bodyPr>
+          <a:lstStyle/>
+          <a:p>
+            <a:r>
+              <a:rPr lang="pt-BR" sz="1500" b="1" dirty="0">
+                <a:solidFill>
+                  <a:schemeClr val="accent1">
+                    <a:lumMod val="75000"/>
+                  </a:schemeClr>
+                </a:solidFill>
+              </a:rPr>
+              <a:t>Quem?</a:t>
+            </a:r>
+          </a:p>
+        </p:txBody>
+      </p:sp>
+      <p:sp>
+        <p:nvSpPr>
+          <p:cNvPr id="12" name="CaixaDeTexto 11">
+            <a:extLst>
+              <a:ext uri="{FF2B5EF4-FFF2-40B4-BE49-F238E27FC236}">
+                <a16:creationId xmlns:a16="http://schemas.microsoft.com/office/drawing/2014/main" id="{289F4135-E12F-4662-9113-BAC67C1ADDD5}"/>
+              </a:ext>
+            </a:extLst>
+          </p:cNvPr>
+          <p:cNvSpPr txBox="1"/>
+          <p:nvPr/>
+        </p:nvSpPr>
+        <p:spPr>
+          <a:xfrm>
+            <a:off x="4972051" y="224043"/>
+            <a:ext cx="2836033" cy="323165"/>
+          </a:xfrm>
+          <a:prstGeom prst="rect">
+            <a:avLst/>
+          </a:prstGeom>
+          <a:noFill/>
+        </p:spPr>
+        <p:txBody>
+          <a:bodyPr wrap="none" rtlCol="0">
+            <a:spAutoFit/>
+          </a:bodyPr>
+          <a:lstStyle/>
+          <a:p>
+            <a:r>
+              <a:rPr lang="pt-BR" sz="1500" b="1" dirty="0">
+                <a:solidFill>
+                  <a:schemeClr val="accent1">
+                    <a:lumMod val="75000"/>
+                  </a:schemeClr>
+                </a:solidFill>
+              </a:rPr>
+              <a:t>Informações comportamento</a:t>
+            </a:r>
+          </a:p>
+        </p:txBody>
+      </p:sp>
+      <p:sp>
+        <p:nvSpPr>
+          <p:cNvPr id="13" name="CaixaDeTexto 12">
+            <a:extLst>
+              <a:ext uri="{FF2B5EF4-FFF2-40B4-BE49-F238E27FC236}">
+                <a16:creationId xmlns:a16="http://schemas.microsoft.com/office/drawing/2014/main" id="{2BA6A932-7C63-4813-AD88-EA6BAE6716EF}"/>
+              </a:ext>
+            </a:extLst>
+          </p:cNvPr>
+          <p:cNvSpPr txBox="1"/>
+          <p:nvPr/>
+        </p:nvSpPr>
+        <p:spPr>
+          <a:xfrm>
+            <a:off x="554107" y="2689284"/>
+            <a:ext cx="2100255" cy="323165"/>
+          </a:xfrm>
+          <a:prstGeom prst="rect">
+            <a:avLst/>
+          </a:prstGeom>
+          <a:noFill/>
+        </p:spPr>
+        <p:txBody>
+          <a:bodyPr wrap="none" rtlCol="0">
+            <a:spAutoFit/>
+          </a:bodyPr>
+          <a:lstStyle/>
+          <a:p>
+            <a:r>
+              <a:rPr lang="pt-BR" sz="1500" b="1" dirty="0">
+                <a:solidFill>
+                  <a:schemeClr val="accent1">
+                    <a:lumMod val="75000"/>
+                  </a:schemeClr>
+                </a:solidFill>
+              </a:rPr>
+              <a:t>Dores necessidades </a:t>
+            </a:r>
+          </a:p>
+        </p:txBody>
+      </p:sp>
+      <p:sp>
+        <p:nvSpPr>
+          <p:cNvPr id="16" name="Retângulo: Cantos Arredondados 15">
+            <a:extLst>
+              <a:ext uri="{FF2B5EF4-FFF2-40B4-BE49-F238E27FC236}">
+                <a16:creationId xmlns:a16="http://schemas.microsoft.com/office/drawing/2014/main" id="{E71C70A1-7372-4F78-9D6E-23F305B08312}"/>
+              </a:ext>
+            </a:extLst>
+          </p:cNvPr>
+          <p:cNvSpPr/>
+          <p:nvPr/>
+        </p:nvSpPr>
+        <p:spPr>
+          <a:xfrm>
+            <a:off x="4681537" y="125947"/>
+            <a:ext cx="4266372" cy="2333210"/>
+          </a:xfrm>
+          <a:prstGeom prst="roundRect">
+            <a:avLst/>
+          </a:prstGeom>
+          <a:noFill/>
+          <a:ln w="28575">
+            <a:solidFill>
+              <a:schemeClr val="accent4">
+                <a:lumMod val="75000"/>
+              </a:schemeClr>
+            </a:solidFill>
+          </a:ln>
+        </p:spPr>
+        <p:style>
+          <a:lnRef idx="2">
+            <a:schemeClr val="accent1">
+              <a:shade val="50000"/>
+            </a:schemeClr>
+          </a:lnRef>
+          <a:fillRef idx="1">
+            <a:schemeClr val="accent1"/>
+          </a:fillRef>
+          <a:effectRef idx="0">
+            <a:schemeClr val="accent1"/>
+          </a:effectRef>
+          <a:fontRef idx="minor">
+            <a:schemeClr val="lt1"/>
+          </a:fontRef>
+        </p:style>
+        <p:txBody>
+          <a:bodyPr rtlCol="0" anchor="ctr"/>
+          <a:lstStyle/>
+          <a:p>
+            <a:pPr algn="ctr"/>
+            <a:endParaRPr lang="pt-BR" sz="1050"/>
+          </a:p>
+        </p:txBody>
+      </p:sp>
+      <p:sp>
+        <p:nvSpPr>
+          <p:cNvPr id="17" name="CaixaDeTexto 16">
+            <a:extLst>
+              <a:ext uri="{FF2B5EF4-FFF2-40B4-BE49-F238E27FC236}">
+                <a16:creationId xmlns:a16="http://schemas.microsoft.com/office/drawing/2014/main" id="{0099D1AE-C6F4-48C1-B9EB-219F0AC1526D}"/>
+              </a:ext>
+            </a:extLst>
+          </p:cNvPr>
+          <p:cNvSpPr txBox="1"/>
+          <p:nvPr/>
+        </p:nvSpPr>
+        <p:spPr>
+          <a:xfrm>
+            <a:off x="1833742" y="626919"/>
+            <a:ext cx="2847795" cy="1246495"/>
+          </a:xfrm>
+          <a:prstGeom prst="rect">
+            <a:avLst/>
+          </a:prstGeom>
+          <a:noFill/>
+        </p:spPr>
+        <p:txBody>
+          <a:bodyPr wrap="square" rtlCol="0">
+            <a:spAutoFit/>
+          </a:bodyPr>
+          <a:lstStyle/>
+          <a:p>
+            <a:r>
+              <a:rPr lang="pt-BR" sz="1500" b="1" dirty="0">
+                <a:solidFill>
+                  <a:schemeClr val="bg1"/>
+                </a:solidFill>
+              </a:rPr>
+              <a:t>Felipe</a:t>
+            </a:r>
+          </a:p>
+          <a:p>
+            <a:endParaRPr lang="pt-BR" sz="1500" b="1" dirty="0">
+              <a:solidFill>
+                <a:schemeClr val="bg1"/>
+              </a:solidFill>
+            </a:endParaRPr>
+          </a:p>
+          <a:p>
+            <a:r>
+              <a:rPr lang="pt-BR" sz="1500" dirty="0">
+                <a:solidFill>
+                  <a:schemeClr val="bg1"/>
+                </a:solidFill>
+              </a:rPr>
+              <a:t>“Sou gerente de telemarketing</a:t>
+            </a:r>
+          </a:p>
+          <a:p>
+            <a:r>
+              <a:rPr lang="pt-BR" sz="1500" dirty="0">
+                <a:solidFill>
+                  <a:schemeClr val="bg1"/>
+                </a:solidFill>
+              </a:rPr>
+              <a:t>e estou preocupado com baixo</a:t>
+            </a:r>
+          </a:p>
+          <a:p>
+            <a:r>
+              <a:rPr lang="pt-BR" sz="1500" dirty="0">
+                <a:solidFill>
+                  <a:schemeClr val="bg1"/>
+                </a:solidFill>
+              </a:rPr>
+              <a:t>Rendimento dos operadores ”</a:t>
+            </a:r>
+          </a:p>
+        </p:txBody>
+      </p:sp>
+      <p:pic>
+        <p:nvPicPr>
+          <p:cNvPr id="1032" name="Picture 8" descr="Homem Vestindo Terno Preto">
+            <a:extLst>
+              <a:ext uri="{FF2B5EF4-FFF2-40B4-BE49-F238E27FC236}">
+                <a16:creationId xmlns:a16="http://schemas.microsoft.com/office/drawing/2014/main" id="{91DFF67C-793D-4814-9F8F-85EB59606C2F}"/>
+              </a:ext>
+            </a:extLst>
+          </p:cNvPr>
+          <p:cNvPicPr>
+            <a:picLocks noChangeAspect="1" noChangeArrowheads="1"/>
+          </p:cNvPicPr>
+          <p:nvPr/>
+        </p:nvPicPr>
+        <p:blipFill rotWithShape="1">
+          <a:blip r:embed="rId2">
+            <a:extLst>
+              <a:ext uri="{28A0092B-C50C-407E-A947-70E740481C1C}">
+                <a14:useLocalDpi xmlns:a14="http://schemas.microsoft.com/office/drawing/2010/main" val="0"/>
+              </a:ext>
+            </a:extLst>
+          </a:blip>
+          <a:srcRect l="27023" t="10191" r="33853" b="58332"/>
+          <a:stretch/>
+        </p:blipFill>
+        <p:spPr bwMode="auto">
+          <a:xfrm>
+            <a:off x="554107" y="524125"/>
+            <a:ext cx="1186610" cy="1429000"/>
+          </a:xfrm>
+          <a:prstGeom prst="rect">
+            <a:avLst/>
+          </a:prstGeom>
+          <a:noFill/>
+          <a:extLst>
+            <a:ext uri="{909E8E84-426E-40DD-AFC4-6F175D3DCCD1}">
+              <a14:hiddenFill xmlns:a14="http://schemas.microsoft.com/office/drawing/2010/main">
+                <a:solidFill>
+                  <a:srgbClr val="FFFFFF"/>
+                </a:solidFill>
+              </a14:hiddenFill>
+            </a:ext>
+          </a:extLst>
+        </p:spPr>
+      </p:pic>
+      <p:sp>
+        <p:nvSpPr>
+          <p:cNvPr id="22" name="CaixaDeTexto 21">
+            <a:extLst>
+              <a:ext uri="{FF2B5EF4-FFF2-40B4-BE49-F238E27FC236}">
+                <a16:creationId xmlns:a16="http://schemas.microsoft.com/office/drawing/2014/main" id="{256259B2-127D-4AA8-84EE-252E38EB39D3}"/>
+              </a:ext>
+            </a:extLst>
+          </p:cNvPr>
+          <p:cNvSpPr txBox="1"/>
+          <p:nvPr/>
+        </p:nvSpPr>
+        <p:spPr>
+          <a:xfrm>
+            <a:off x="4972051" y="652739"/>
+            <a:ext cx="2585964" cy="1938992"/>
+          </a:xfrm>
+          <a:prstGeom prst="rect">
+            <a:avLst/>
+          </a:prstGeom>
+          <a:noFill/>
+        </p:spPr>
+        <p:txBody>
+          <a:bodyPr wrap="none" rtlCol="0">
+            <a:spAutoFit/>
+          </a:bodyPr>
+          <a:lstStyle/>
+          <a:p>
+            <a:pPr marL="257175" indent="-257175">
+              <a:buClr>
+                <a:schemeClr val="bg1"/>
+              </a:buClr>
+              <a:buFont typeface="Wingdings" panose="05000000000000000000" pitchFamily="2" charset="2"/>
+              <a:buChar char="Ø"/>
+            </a:pPr>
+            <a:r>
+              <a:rPr lang="pt-BR" sz="1500" dirty="0">
+                <a:solidFill>
+                  <a:schemeClr val="bg1"/>
+                </a:solidFill>
+              </a:rPr>
+              <a:t>Responsável</a:t>
+            </a:r>
+          </a:p>
+          <a:p>
+            <a:pPr marL="257175" indent="-257175">
+              <a:buClr>
+                <a:schemeClr val="bg1"/>
+              </a:buClr>
+              <a:buFont typeface="Wingdings" panose="05000000000000000000" pitchFamily="2" charset="2"/>
+              <a:buChar char="Ø"/>
+            </a:pPr>
+            <a:r>
+              <a:rPr lang="pt-BR" sz="1500" dirty="0">
+                <a:solidFill>
+                  <a:schemeClr val="bg1"/>
+                </a:solidFill>
+              </a:rPr>
+              <a:t>Atarefado</a:t>
+            </a:r>
+          </a:p>
+          <a:p>
+            <a:pPr marL="257175" indent="-257175">
+              <a:buClr>
+                <a:schemeClr val="bg1"/>
+              </a:buClr>
+              <a:buFont typeface="Wingdings" panose="05000000000000000000" pitchFamily="2" charset="2"/>
+              <a:buChar char="Ø"/>
+            </a:pPr>
+            <a:r>
+              <a:rPr lang="pt-BR" sz="1500" dirty="0">
+                <a:solidFill>
+                  <a:schemeClr val="bg1"/>
+                </a:solidFill>
+              </a:rPr>
+              <a:t>Gosta de usar tecnologia</a:t>
+            </a:r>
+          </a:p>
+          <a:p>
+            <a:pPr marL="257175" indent="-257175">
+              <a:buClr>
+                <a:schemeClr val="bg1"/>
+              </a:buClr>
+              <a:buFont typeface="Wingdings" panose="05000000000000000000" pitchFamily="2" charset="2"/>
+              <a:buChar char="Ø"/>
+            </a:pPr>
+            <a:r>
+              <a:rPr lang="pt-BR" sz="1500" dirty="0">
+                <a:solidFill>
+                  <a:schemeClr val="bg1"/>
+                </a:solidFill>
+              </a:rPr>
+              <a:t>Exigente</a:t>
+            </a:r>
+          </a:p>
+          <a:p>
+            <a:pPr marL="257175" indent="-257175">
+              <a:buClr>
+                <a:schemeClr val="bg1"/>
+              </a:buClr>
+              <a:buFont typeface="Wingdings" panose="05000000000000000000" pitchFamily="2" charset="2"/>
+              <a:buChar char="Ø"/>
+            </a:pPr>
+            <a:r>
+              <a:rPr lang="pt-BR" sz="1500" dirty="0">
+                <a:solidFill>
+                  <a:schemeClr val="bg1"/>
+                </a:solidFill>
+              </a:rPr>
+              <a:t>Gosta de criatividade</a:t>
+            </a:r>
+          </a:p>
+          <a:p>
+            <a:pPr marL="257175" indent="-257175">
+              <a:buClr>
+                <a:schemeClr val="bg1"/>
+              </a:buClr>
+              <a:buFont typeface="Wingdings" panose="05000000000000000000" pitchFamily="2" charset="2"/>
+              <a:buChar char="Ø"/>
+            </a:pPr>
+            <a:r>
+              <a:rPr lang="pt-BR" sz="1500" dirty="0">
+                <a:solidFill>
+                  <a:schemeClr val="bg1"/>
+                </a:solidFill>
+              </a:rPr>
+              <a:t>Mente aberta</a:t>
+            </a:r>
+          </a:p>
+          <a:p>
+            <a:pPr marL="257175" indent="-257175">
+              <a:buFont typeface="Wingdings" panose="05000000000000000000" pitchFamily="2" charset="2"/>
+              <a:buChar char="Ø"/>
+            </a:pPr>
+            <a:endParaRPr lang="pt-BR" sz="1500" dirty="0">
+              <a:solidFill>
+                <a:schemeClr val="bg1"/>
+              </a:solidFill>
+            </a:endParaRPr>
+          </a:p>
+          <a:p>
+            <a:endParaRPr lang="pt-BR" sz="1500" dirty="0">
+              <a:solidFill>
+                <a:schemeClr val="bg1"/>
+              </a:solidFill>
+            </a:endParaRPr>
+          </a:p>
+        </p:txBody>
+      </p:sp>
+      <p:sp>
+        <p:nvSpPr>
+          <p:cNvPr id="23" name="CaixaDeTexto 22">
+            <a:extLst>
+              <a:ext uri="{FF2B5EF4-FFF2-40B4-BE49-F238E27FC236}">
+                <a16:creationId xmlns:a16="http://schemas.microsoft.com/office/drawing/2014/main" id="{9F36099F-65CD-475B-87DC-B528849B6E07}"/>
+              </a:ext>
+            </a:extLst>
+          </p:cNvPr>
+          <p:cNvSpPr txBox="1"/>
+          <p:nvPr/>
+        </p:nvSpPr>
+        <p:spPr>
+          <a:xfrm>
+            <a:off x="692420" y="3106900"/>
+            <a:ext cx="5905784" cy="1246495"/>
+          </a:xfrm>
+          <a:prstGeom prst="rect">
+            <a:avLst/>
+          </a:prstGeom>
+          <a:noFill/>
+        </p:spPr>
+        <p:txBody>
+          <a:bodyPr wrap="none" rtlCol="0">
+            <a:spAutoFit/>
+          </a:bodyPr>
+          <a:lstStyle/>
+          <a:p>
+            <a:pPr marL="257175" indent="-257175">
+              <a:buClr>
+                <a:schemeClr val="bg1"/>
+              </a:buClr>
+              <a:buFont typeface="Wingdings" panose="05000000000000000000" pitchFamily="2" charset="2"/>
+              <a:buChar char="Ø"/>
+            </a:pPr>
+            <a:r>
+              <a:rPr lang="pt-BR" sz="1500" dirty="0">
+                <a:solidFill>
+                  <a:schemeClr val="bg1"/>
+                </a:solidFill>
+              </a:rPr>
+              <a:t>Precisa de apoio para melhorar o desempenho da equipe;</a:t>
+            </a:r>
+          </a:p>
+          <a:p>
+            <a:pPr marL="257175" indent="-257175">
+              <a:buClr>
+                <a:schemeClr val="bg1"/>
+              </a:buClr>
+              <a:buFont typeface="Wingdings" panose="05000000000000000000" pitchFamily="2" charset="2"/>
+              <a:buChar char="Ø"/>
+            </a:pPr>
+            <a:r>
+              <a:rPr lang="pt-BR" sz="1500" dirty="0">
+                <a:solidFill>
+                  <a:schemeClr val="bg1"/>
+                </a:solidFill>
+              </a:rPr>
+              <a:t>Quer identificar funcionários ineficientes;</a:t>
+            </a:r>
+          </a:p>
+          <a:p>
+            <a:pPr marL="257175" indent="-257175">
+              <a:buClr>
+                <a:schemeClr val="bg1"/>
+              </a:buClr>
+              <a:buFont typeface="Wingdings" panose="05000000000000000000" pitchFamily="2" charset="2"/>
+              <a:buChar char="Ø"/>
+            </a:pPr>
+            <a:r>
+              <a:rPr lang="pt-BR" sz="1500" dirty="0">
+                <a:solidFill>
+                  <a:schemeClr val="bg1"/>
+                </a:solidFill>
+              </a:rPr>
+              <a:t>Quer receber informações sobre as atividades dos funcionários;</a:t>
+            </a:r>
+          </a:p>
+          <a:p>
+            <a:pPr marL="257175" indent="-257175">
+              <a:buClr>
+                <a:schemeClr val="bg1"/>
+              </a:buClr>
+              <a:buFont typeface="Wingdings" panose="05000000000000000000" pitchFamily="2" charset="2"/>
+              <a:buChar char="Ø"/>
+            </a:pPr>
+            <a:r>
+              <a:rPr lang="pt-BR" sz="1500" dirty="0">
+                <a:solidFill>
+                  <a:schemeClr val="bg1"/>
+                </a:solidFill>
+              </a:rPr>
+              <a:t>Não ter o controle do ambiente home office;</a:t>
+            </a:r>
+          </a:p>
+          <a:p>
+            <a:pPr marL="257175" indent="-257175">
+              <a:buClr>
+                <a:schemeClr val="bg1"/>
+              </a:buClr>
+              <a:buFont typeface="Wingdings" panose="05000000000000000000" pitchFamily="2" charset="2"/>
+              <a:buChar char="Ø"/>
+            </a:pPr>
+            <a:r>
+              <a:rPr lang="pt-BR" sz="1500" dirty="0">
+                <a:solidFill>
+                  <a:schemeClr val="bg1"/>
+                </a:solidFill>
+              </a:rPr>
+              <a:t>Ele gostaria de ter funcionários mais motivados.</a:t>
+            </a:r>
+          </a:p>
+        </p:txBody>
+      </p:sp>
+      <p:sp>
+        <p:nvSpPr>
+          <p:cNvPr id="18" name="Retângulo 17">
+            <a:extLst>
+              <a:ext uri="{FF2B5EF4-FFF2-40B4-BE49-F238E27FC236}">
+                <a16:creationId xmlns:a16="http://schemas.microsoft.com/office/drawing/2014/main" id="{DA358B16-6A85-4937-B0BD-DC84993DB6FC}"/>
+              </a:ext>
+            </a:extLst>
+          </p:cNvPr>
+          <p:cNvSpPr/>
+          <p:nvPr/>
+        </p:nvSpPr>
+        <p:spPr>
+          <a:xfrm>
+            <a:off x="1843523" y="904875"/>
+            <a:ext cx="685800" cy="50234"/>
+          </a:xfrm>
+          <a:prstGeom prst="rect">
+            <a:avLst/>
+          </a:prstGeom>
+          <a:solidFill>
+            <a:schemeClr val="accent5">
+              <a:lumMod val="50000"/>
+            </a:schemeClr>
+          </a:solidFill>
+          <a:ln>
+            <a:noFill/>
+          </a:ln>
+        </p:spPr>
+        <p:style>
+          <a:lnRef idx="2">
+            <a:schemeClr val="accent1">
+              <a:shade val="50000"/>
+            </a:schemeClr>
+          </a:lnRef>
+          <a:fillRef idx="1">
+            <a:schemeClr val="accent1"/>
+          </a:fillRef>
+          <a:effectRef idx="0">
+            <a:schemeClr val="accent1"/>
+          </a:effectRef>
+          <a:fontRef idx="minor">
+            <a:schemeClr val="lt1"/>
+          </a:fontRef>
+        </p:style>
+        <p:txBody>
+          <a:bodyPr rtlCol="0" anchor="ctr"/>
+          <a:lstStyle/>
+          <a:p>
+            <a:pPr algn="ctr"/>
+            <a:endParaRPr lang="pt-BR" sz="1050"/>
+          </a:p>
+        </p:txBody>
+      </p:sp>
+      <p:sp>
+        <p:nvSpPr>
+          <p:cNvPr id="25" name="Retângulo 24">
+            <a:extLst>
+              <a:ext uri="{FF2B5EF4-FFF2-40B4-BE49-F238E27FC236}">
+                <a16:creationId xmlns:a16="http://schemas.microsoft.com/office/drawing/2014/main" id="{A514439C-317E-4684-A68C-B17CE5E1116E}"/>
+              </a:ext>
+            </a:extLst>
+          </p:cNvPr>
+          <p:cNvSpPr/>
+          <p:nvPr/>
+        </p:nvSpPr>
+        <p:spPr>
+          <a:xfrm>
+            <a:off x="5005824" y="524125"/>
+            <a:ext cx="685800" cy="50234"/>
+          </a:xfrm>
+          <a:prstGeom prst="rect">
+            <a:avLst/>
+          </a:prstGeom>
+          <a:solidFill>
+            <a:schemeClr val="accent5">
+              <a:lumMod val="50000"/>
+            </a:schemeClr>
+          </a:solidFill>
+          <a:ln>
+            <a:noFill/>
+          </a:ln>
+        </p:spPr>
+        <p:style>
+          <a:lnRef idx="2">
+            <a:schemeClr val="accent1">
+              <a:shade val="50000"/>
+            </a:schemeClr>
+          </a:lnRef>
+          <a:fillRef idx="1">
+            <a:schemeClr val="accent1"/>
+          </a:fillRef>
+          <a:effectRef idx="0">
+            <a:schemeClr val="accent1"/>
+          </a:effectRef>
+          <a:fontRef idx="minor">
+            <a:schemeClr val="lt1"/>
+          </a:fontRef>
+        </p:style>
+        <p:txBody>
+          <a:bodyPr rtlCol="0" anchor="ctr"/>
+          <a:lstStyle/>
+          <a:p>
+            <a:pPr algn="ctr"/>
+            <a:endParaRPr lang="pt-BR" sz="1050"/>
+          </a:p>
+        </p:txBody>
+      </p:sp>
+      <p:sp>
+        <p:nvSpPr>
+          <p:cNvPr id="26" name="Retângulo 25">
+            <a:extLst>
+              <a:ext uri="{FF2B5EF4-FFF2-40B4-BE49-F238E27FC236}">
+                <a16:creationId xmlns:a16="http://schemas.microsoft.com/office/drawing/2014/main" id="{525D0357-B592-43CE-8678-A00738EAEEF9}"/>
+              </a:ext>
+            </a:extLst>
+          </p:cNvPr>
+          <p:cNvSpPr/>
+          <p:nvPr/>
+        </p:nvSpPr>
+        <p:spPr>
+          <a:xfrm>
+            <a:off x="596272" y="2978627"/>
+            <a:ext cx="685800" cy="50234"/>
+          </a:xfrm>
+          <a:prstGeom prst="rect">
+            <a:avLst/>
+          </a:prstGeom>
+          <a:solidFill>
+            <a:schemeClr val="accent5">
+              <a:lumMod val="50000"/>
+            </a:schemeClr>
+          </a:solidFill>
+          <a:ln>
+            <a:noFill/>
+          </a:ln>
+        </p:spPr>
+        <p:style>
+          <a:lnRef idx="2">
+            <a:schemeClr val="accent1">
+              <a:shade val="50000"/>
+            </a:schemeClr>
+          </a:lnRef>
+          <a:fillRef idx="1">
+            <a:schemeClr val="accent1"/>
+          </a:fillRef>
+          <a:effectRef idx="0">
+            <a:schemeClr val="accent1"/>
+          </a:effectRef>
+          <a:fontRef idx="minor">
+            <a:schemeClr val="lt1"/>
+          </a:fontRef>
+        </p:style>
+        <p:txBody>
+          <a:bodyPr rtlCol="0" anchor="ctr"/>
+          <a:lstStyle/>
+          <a:p>
+            <a:pPr algn="ctr"/>
+            <a:endParaRPr lang="pt-BR" sz="1050"/>
+          </a:p>
+        </p:txBody>
+      </p:sp>
+    </p:spTree>
+    <p:extLst>
+      <p:ext uri="{BB962C8B-B14F-4D97-AF65-F5344CB8AC3E}">
+        <p14:creationId xmlns:p14="http://schemas.microsoft.com/office/powerpoint/2010/main" val="435829671"/>
+      </p:ext>
+    </p:extLst>
+  </p:cSld>
+  <p:clrMapOvr>
+    <a:masterClrMapping/>
+  </p:clrMapOvr>
+</p:sld>
+</file>
+
 <file path=ppt/theme/theme1.xml><?xml version="1.0" encoding="utf-8"?>
 <a:theme xmlns:a="http://schemas.openxmlformats.org/drawingml/2006/main" name="WEB PROPOSAL">
   <a:themeElements>
